--- a/slide.pptx
+++ b/slide.pptx
@@ -6,7 +6,6 @@
   </p:sldMasterIdLst>
   <p:sldIdLst>
     <p:sldId id="256" r:id="rId2"/>
-    <p:sldId id="257" r:id="rId3"/>
   </p:sldIdLst>
   <p:sldSz cx="12192000" cy="6858000"/>
   <p:notesSz cx="6858000" cy="9144000"/>
@@ -105,6 +104,11 @@
       </a:defRPr>
     </a:lvl9pPr>
   </p:defaultTextStyle>
+  <p:extLst>
+    <p:ext uri="{EFAFB233-063F-42B5-8137-9DF3F51BA10A}">
+      <p15:sldGuideLst xmlns:p15="http://schemas.microsoft.com/office/powerpoint/2012/main"/>
+    </p:ext>
+  </p:extLst>
 </p:presentation>
 </file>
 
@@ -3336,10 +3340,10 @@
         </p:nvGrpSpPr>
         <p:grpSpPr>
           <a:xfrm>
-            <a:off x="2149881" y="1522850"/>
-            <a:ext cx="2938509" cy="2760955"/>
-            <a:chOff x="2339264" y="668044"/>
-            <a:chExt cx="2938509" cy="2760955"/>
+            <a:off x="4434391" y="1806937"/>
+            <a:ext cx="2938509" cy="2507612"/>
+            <a:chOff x="2339264" y="668045"/>
+            <a:chExt cx="2938509" cy="2507612"/>
           </a:xfrm>
         </p:grpSpPr>
         <p:sp>
@@ -3646,7 +3650,7 @@
           <p:spPr>
             <a:xfrm>
               <a:off x="2436919" y="1856764"/>
-              <a:ext cx="2743200" cy="1495888"/>
+              <a:ext cx="2743200" cy="1207033"/>
             </a:xfrm>
             <a:prstGeom prst="rect">
               <a:avLst/>
@@ -3675,6 +3679,20 @@
           <p:txBody>
             <a:bodyPr rtlCol="0" anchor="ctr"/>
             <a:lstStyle/>
+            <a:p>
+              <a:pPr marL="285750" indent="-285750">
+                <a:buFont typeface="Calibri" panose="020F0502020204030204" pitchFamily="34" charset="0"/>
+                <a:buChar char="+"/>
+              </a:pPr>
+              <a:r>
+                <a:rPr lang="en-US" dirty="0">
+                  <a:solidFill>
+                    <a:schemeClr val="tx1"/>
+                  </a:solidFill>
+                </a:rPr>
+                <a:t>Doc()</a:t>
+              </a:r>
+            </a:p>
             <a:p>
               <a:pPr marL="285750" indent="-285750">
                 <a:buFont typeface="Calibri" panose="020F0502020204030204" pitchFamily="34" charset="0"/>
@@ -3714,42 +3732,6 @@
                     <a:schemeClr val="tx1"/>
                   </a:solidFill>
                 </a:rPr>
-                <a:t>encode()</a:t>
-              </a:r>
-            </a:p>
-            <a:p>
-              <a:pPr marL="285750" indent="-285750">
-                <a:buFont typeface="Calibri" panose="020F0502020204030204" pitchFamily="34" charset="0"/>
-                <a:buChar char="+"/>
-              </a:pPr>
-              <a:r>
-                <a:rPr lang="en-US" dirty="0" err="1">
-                  <a:solidFill>
-                    <a:schemeClr val="tx1"/>
-                  </a:solidFill>
-                </a:rPr>
-                <a:t>saveFile</a:t>
-              </a:r>
-              <a:r>
-                <a:rPr lang="en-US" dirty="0">
-                  <a:solidFill>
-                    <a:schemeClr val="tx1"/>
-                  </a:solidFill>
-                </a:rPr>
-                <a:t>()</a:t>
-              </a:r>
-            </a:p>
-            <a:p>
-              <a:pPr marL="285750" indent="-285750">
-                <a:buFont typeface="Calibri" panose="020F0502020204030204" pitchFamily="34" charset="0"/>
-                <a:buChar char="+"/>
-              </a:pPr>
-              <a:r>
-                <a:rPr lang="en-US" dirty="0">
-                  <a:solidFill>
-                    <a:schemeClr val="tx1"/>
-                  </a:solidFill>
-                </a:rPr>
                 <a:t>display()</a:t>
               </a:r>
             </a:p>
@@ -3769,8 +3751,8 @@
           </p:nvSpPr>
           <p:spPr>
             <a:xfrm>
-              <a:off x="2339264" y="668044"/>
-              <a:ext cx="2938509" cy="2760955"/>
+              <a:off x="2339264" y="668045"/>
+              <a:ext cx="2938509" cy="2507612"/>
             </a:xfrm>
             <a:prstGeom prst="rect">
               <a:avLst/>
@@ -3822,10 +3804,10 @@
         </p:nvGrpSpPr>
         <p:grpSpPr>
           <a:xfrm>
-            <a:off x="6899427" y="3441429"/>
-            <a:ext cx="2938509" cy="1526960"/>
+            <a:off x="8808126" y="3725515"/>
+            <a:ext cx="2938509" cy="1841558"/>
             <a:chOff x="1160015" y="3764131"/>
-            <a:chExt cx="2938509" cy="1526960"/>
+            <a:chExt cx="2938509" cy="1841558"/>
           </a:xfrm>
         </p:grpSpPr>
         <p:sp>
@@ -4122,8 +4104,8 @@
           </p:nvSpPr>
           <p:spPr>
             <a:xfrm>
-              <a:off x="1257670" y="4764199"/>
-              <a:ext cx="2743200" cy="431456"/>
+              <a:off x="1257670" y="4764198"/>
+              <a:ext cx="2743200" cy="709883"/>
             </a:xfrm>
             <a:prstGeom prst="rect">
               <a:avLst/>
@@ -4152,6 +4134,28 @@
           <p:txBody>
             <a:bodyPr rtlCol="0" anchor="ctr"/>
             <a:lstStyle/>
+            <a:p>
+              <a:pPr marL="285750" indent="-285750">
+                <a:buFont typeface="Calibri" panose="020F0502020204030204" pitchFamily="34" charset="0"/>
+                <a:buChar char="+"/>
+              </a:pPr>
+              <a:r>
+                <a:rPr lang="en-US" dirty="0" err="1">
+                  <a:solidFill>
+                    <a:schemeClr val="tx1"/>
+                  </a:solidFill>
+                </a:rPr>
+                <a:t>DictDoc</a:t>
+              </a:r>
+              <a:r>
+                <a:rPr lang="en-US" dirty="0">
+                  <a:solidFill>
+                    <a:schemeClr val="tx1"/>
+                  </a:solidFill>
+                </a:rPr>
+                <a:t>()</a:t>
+              </a:r>
+            </a:p>
             <a:p>
               <a:pPr marL="285750" indent="-285750">
                 <a:buFont typeface="Calibri" panose="020F0502020204030204" pitchFamily="34" charset="0"/>
@@ -4183,7 +4187,7 @@
           <p:spPr>
             <a:xfrm>
               <a:off x="1160015" y="3764131"/>
-              <a:ext cx="2938509" cy="1526960"/>
+              <a:ext cx="2938509" cy="1841558"/>
             </a:xfrm>
             <a:prstGeom prst="rect">
               <a:avLst/>
@@ -4235,10 +4239,10 @@
         </p:nvGrpSpPr>
         <p:grpSpPr>
           <a:xfrm>
-            <a:off x="6899427" y="870012"/>
-            <a:ext cx="2938509" cy="1526960"/>
+            <a:off x="8808126" y="1154098"/>
+            <a:ext cx="2938509" cy="1841558"/>
             <a:chOff x="5328080" y="3764131"/>
-            <a:chExt cx="2938509" cy="1526960"/>
+            <a:chExt cx="2938509" cy="1841558"/>
           </a:xfrm>
         </p:grpSpPr>
         <p:sp>
@@ -4541,7 +4545,7 @@
           <p:spPr>
             <a:xfrm>
               <a:off x="5425735" y="4764199"/>
-              <a:ext cx="2743200" cy="431456"/>
+              <a:ext cx="2743200" cy="792333"/>
             </a:xfrm>
             <a:prstGeom prst="rect">
               <a:avLst/>
@@ -4570,6 +4574,28 @@
           <p:txBody>
             <a:bodyPr rtlCol="0" anchor="ctr"/>
             <a:lstStyle/>
+            <a:p>
+              <a:pPr marL="285750" indent="-285750">
+                <a:buFont typeface="Calibri" panose="020F0502020204030204" pitchFamily="34" charset="0"/>
+                <a:buChar char="+"/>
+              </a:pPr>
+              <a:r>
+                <a:rPr lang="en-US" dirty="0" err="1">
+                  <a:solidFill>
+                    <a:schemeClr val="tx1"/>
+                  </a:solidFill>
+                </a:rPr>
+                <a:t>LearnDoc</a:t>
+              </a:r>
+              <a:r>
+                <a:rPr lang="en-US" dirty="0">
+                  <a:solidFill>
+                    <a:schemeClr val="tx1"/>
+                  </a:solidFill>
+                </a:rPr>
+                <a:t>()</a:t>
+              </a:r>
+            </a:p>
             <a:p>
               <a:pPr marL="285750" indent="-285750">
                 <a:buFont typeface="Calibri" panose="020F0502020204030204" pitchFamily="34" charset="0"/>
@@ -4609,7 +4635,7 @@
           <p:spPr>
             <a:xfrm>
               <a:off x="5328080" y="3764131"/>
-              <a:ext cx="2938509" cy="1526960"/>
+              <a:ext cx="2938509" cy="1841558"/>
             </a:xfrm>
             <a:prstGeom prst="rect">
               <a:avLst/>
@@ -4649,10 +4675,10 @@
       </p:grpSp>
       <p:grpSp>
         <p:nvGrpSpPr>
-          <p:cNvPr id="51" name="Group 50">
-            <a:extLst>
-              <a:ext uri="{FF2B5EF4-FFF2-40B4-BE49-F238E27FC236}">
-                <a16:creationId xmlns:a16="http://schemas.microsoft.com/office/drawing/2014/main" id="{85B7A23C-870D-B1D5-BC0E-6AAE5056F911}"/>
+          <p:cNvPr id="19" name="Group 18">
+            <a:extLst>
+              <a:ext uri="{FF2B5EF4-FFF2-40B4-BE49-F238E27FC236}">
+                <a16:creationId xmlns:a16="http://schemas.microsoft.com/office/drawing/2014/main" id="{3C49C634-8307-5C3D-8A29-49307E0700BD}"/>
               </a:ext>
             </a:extLst>
           </p:cNvPr>
@@ -4661,10 +4687,10 @@
         </p:nvGrpSpPr>
         <p:grpSpPr>
           <a:xfrm>
-            <a:off x="5186044" y="1651248"/>
-            <a:ext cx="1698586" cy="2568972"/>
-            <a:chOff x="5186044" y="1651248"/>
-            <a:chExt cx="1698586" cy="2568972"/>
+            <a:off x="7459092" y="1935334"/>
+            <a:ext cx="1334237" cy="2568972"/>
+            <a:chOff x="7459092" y="1935334"/>
+            <a:chExt cx="1334237" cy="2568972"/>
           </a:xfrm>
         </p:grpSpPr>
         <p:sp>
@@ -4681,7 +4707,7 @@
           </p:nvSpPr>
           <p:spPr>
             <a:xfrm>
-              <a:off x="6186259" y="1651248"/>
+              <a:off x="8094958" y="1935334"/>
               <a:ext cx="698371" cy="63030"/>
             </a:xfrm>
             <a:prstGeom prst="rect">
@@ -4733,7 +4759,7 @@
           </p:nvSpPr>
           <p:spPr>
             <a:xfrm>
-              <a:off x="6186258" y="4157190"/>
+              <a:off x="8094957" y="4441276"/>
               <a:ext cx="698371" cy="63030"/>
             </a:xfrm>
             <a:prstGeom prst="rect">
@@ -4785,7 +4811,7 @@
           </p:nvSpPr>
           <p:spPr>
             <a:xfrm>
-              <a:off x="6186256" y="1714278"/>
+              <a:off x="8094955" y="1998364"/>
               <a:ext cx="73237" cy="2442912"/>
             </a:xfrm>
             <a:prstGeom prst="rect">
@@ -4837,8 +4863,8 @@
           </p:nvSpPr>
           <p:spPr>
             <a:xfrm>
-              <a:off x="5487885" y="2840298"/>
-              <a:ext cx="698371" cy="63030"/>
+              <a:off x="7725788" y="3124384"/>
+              <a:ext cx="369167" cy="63030"/>
             </a:xfrm>
             <a:prstGeom prst="rect">
               <a:avLst/>
@@ -4889,8 +4915,8 @@
           </p:nvSpPr>
           <p:spPr>
             <a:xfrm rot="16200000">
-              <a:off x="5171958" y="2720892"/>
-              <a:ext cx="330013" cy="301841"/>
+              <a:off x="7446422" y="3020142"/>
+              <a:ext cx="296854" cy="271513"/>
             </a:xfrm>
             <a:prstGeom prst="triangle">
               <a:avLst/>
@@ -4928,42 +4954,12 @@
           </p:txBody>
         </p:sp>
       </p:grpSp>
-    </p:spTree>
-    <p:extLst>
-      <p:ext uri="{BB962C8B-B14F-4D97-AF65-F5344CB8AC3E}">
-        <p14:creationId xmlns:p14="http://schemas.microsoft.com/office/powerpoint/2010/main" val="585272853"/>
-      </p:ext>
-    </p:extLst>
-  </p:cSld>
-  <p:clrMapOvr>
-    <a:masterClrMapping/>
-  </p:clrMapOvr>
-</p:sld>
-</file>
-
-<file path=ppt/slides/slide2.xml><?xml version="1.0" encoding="utf-8"?>
-<p:sld xmlns:a="http://schemas.openxmlformats.org/drawingml/2006/main" xmlns:r="http://schemas.openxmlformats.org/officeDocument/2006/relationships" xmlns:p="http://schemas.openxmlformats.org/presentationml/2006/main">
-  <p:cSld>
-    <p:spTree>
-      <p:nvGrpSpPr>
-        <p:cNvPr id="1" name=""/>
-        <p:cNvGrpSpPr/>
-        <p:nvPr/>
-      </p:nvGrpSpPr>
-      <p:grpSpPr>
-        <a:xfrm>
-          <a:off x="0" y="0"/>
-          <a:ext cx="0" cy="0"/>
-          <a:chOff x="0" y="0"/>
-          <a:chExt cx="0" cy="0"/>
-        </a:xfrm>
-      </p:grpSpPr>
       <p:grpSp>
         <p:nvGrpSpPr>
-          <p:cNvPr id="4" name="Group 3">
-            <a:extLst>
-              <a:ext uri="{FF2B5EF4-FFF2-40B4-BE49-F238E27FC236}">
-                <a16:creationId xmlns:a16="http://schemas.microsoft.com/office/drawing/2014/main" id="{A2157231-CCEC-F702-A582-AAB5F6F70AAB}"/>
+          <p:cNvPr id="2" name="Group 1">
+            <a:extLst>
+              <a:ext uri="{FF2B5EF4-FFF2-40B4-BE49-F238E27FC236}">
+                <a16:creationId xmlns:a16="http://schemas.microsoft.com/office/drawing/2014/main" id="{2CD80DE8-4FC4-68E7-35B0-52AE1E9C69BB}"/>
               </a:ext>
             </a:extLst>
           </p:cNvPr>
@@ -4972,18 +4968,18 @@
         </p:nvGrpSpPr>
         <p:grpSpPr>
           <a:xfrm>
-            <a:off x="3494477" y="372717"/>
-            <a:ext cx="2938509" cy="2760955"/>
+            <a:off x="699295" y="2143071"/>
+            <a:ext cx="2938509" cy="2101789"/>
             <a:chOff x="2339264" y="668044"/>
-            <a:chExt cx="2938509" cy="2760955"/>
+            <a:chExt cx="2938509" cy="2101789"/>
           </a:xfrm>
         </p:grpSpPr>
         <p:sp>
           <p:nvSpPr>
-            <p:cNvPr id="5" name="Rectangle 4">
+            <p:cNvPr id="3" name="Rectangle 2">
               <a:extLst>
                 <a:ext uri="{FF2B5EF4-FFF2-40B4-BE49-F238E27FC236}">
-                  <a16:creationId xmlns:a16="http://schemas.microsoft.com/office/drawing/2014/main" id="{70625D10-EFA5-32FA-F224-9AEE8D5EF3BB}"/>
+                  <a16:creationId xmlns:a16="http://schemas.microsoft.com/office/drawing/2014/main" id="{770C9015-9AC2-CDF2-4B78-1DC47114A71C}"/>
                 </a:ext>
               </a:extLst>
             </p:cNvPr>
@@ -5034,10 +5030,10 @@
         </p:sp>
         <p:sp>
           <p:nvSpPr>
-            <p:cNvPr id="6" name="Rectangle 5">
+            <p:cNvPr id="9" name="Rectangle 8">
               <a:extLst>
                 <a:ext uri="{FF2B5EF4-FFF2-40B4-BE49-F238E27FC236}">
-                  <a16:creationId xmlns:a16="http://schemas.microsoft.com/office/drawing/2014/main" id="{9F73CED1-3232-50DA-9876-30BC24F25847}"/>
+                  <a16:creationId xmlns:a16="http://schemas.microsoft.com/office/drawing/2014/main" id="{F678DBC1-0958-6B86-2352-B73E7CEA158A}"/>
                 </a:ext>
               </a:extLst>
             </p:cNvPr>
@@ -5079,22 +5075,27 @@
             <a:p>
               <a:pPr algn="ctr"/>
               <a:r>
-                <a:rPr lang="en-US" dirty="0">
+                <a:rPr lang="en-US" dirty="0" err="1">
                   <a:solidFill>
                     <a:schemeClr val="tx1"/>
                   </a:solidFill>
                 </a:rPr>
-                <a:t>Doc</a:t>
+                <a:t>FileController</a:t>
               </a:r>
+              <a:endParaRPr lang="en-US" dirty="0">
+                <a:solidFill>
+                  <a:schemeClr val="tx1"/>
+                </a:solidFill>
+              </a:endParaRPr>
             </a:p>
           </p:txBody>
         </p:sp>
         <p:sp>
           <p:nvSpPr>
-            <p:cNvPr id="7" name="Rectangle 6">
+            <p:cNvPr id="12" name="Rectangle 11">
               <a:extLst>
                 <a:ext uri="{FF2B5EF4-FFF2-40B4-BE49-F238E27FC236}">
-                  <a16:creationId xmlns:a16="http://schemas.microsoft.com/office/drawing/2014/main" id="{1E23E7C1-E86C-EAD0-F670-8166479737E5}"/>
+                  <a16:creationId xmlns:a16="http://schemas.microsoft.com/office/drawing/2014/main" id="{80BB1C2B-B1B1-DB81-8CFA-5498B8E37FFD}"/>
                 </a:ext>
               </a:extLst>
             </p:cNvPr>
@@ -5138,37 +5139,20 @@
                 <a:buFontTx/>
                 <a:buChar char="-"/>
               </a:pPr>
-              <a:r>
-                <a:rPr lang="en-US" dirty="0">
-                  <a:solidFill>
-                    <a:schemeClr val="tx1"/>
-                  </a:solidFill>
-                </a:rPr>
-                <a:t>title</a:t>
-              </a:r>
-            </a:p>
-            <a:p>
-              <a:pPr marL="285750" indent="-285750">
-                <a:buFontTx/>
-                <a:buChar char="-"/>
-              </a:pPr>
-              <a:r>
-                <a:rPr lang="en-US" dirty="0">
-                  <a:solidFill>
-                    <a:schemeClr val="tx1"/>
-                  </a:solidFill>
-                </a:rPr>
-                <a:t>content</a:t>
-              </a:r>
+              <a:endParaRPr lang="en-US" dirty="0">
+                <a:solidFill>
+                  <a:schemeClr val="tx1"/>
+                </a:solidFill>
+              </a:endParaRPr>
             </a:p>
           </p:txBody>
         </p:sp>
         <p:sp>
           <p:nvSpPr>
-            <p:cNvPr id="8" name="Rectangle 7">
+            <p:cNvPr id="13" name="Rectangle 12">
               <a:extLst>
                 <a:ext uri="{FF2B5EF4-FFF2-40B4-BE49-F238E27FC236}">
-                  <a16:creationId xmlns:a16="http://schemas.microsoft.com/office/drawing/2014/main" id="{7B4F9767-E98C-D534-999A-730D3175D553}"/>
+                  <a16:creationId xmlns:a16="http://schemas.microsoft.com/office/drawing/2014/main" id="{8B1EFA03-8950-1CD4-057F-A61323FD6743}"/>
                 </a:ext>
               </a:extLst>
             </p:cNvPr>
@@ -5217,10 +5201,10 @@
         </p:sp>
         <p:sp>
           <p:nvSpPr>
-            <p:cNvPr id="9" name="Rectangle 8">
+            <p:cNvPr id="14" name="Rectangle 13">
               <a:extLst>
                 <a:ext uri="{FF2B5EF4-FFF2-40B4-BE49-F238E27FC236}">
-                  <a16:creationId xmlns:a16="http://schemas.microsoft.com/office/drawing/2014/main" id="{3610FE6B-FF11-9EE6-C15C-C8EA55F7C8AA}"/>
+                  <a16:creationId xmlns:a16="http://schemas.microsoft.com/office/drawing/2014/main" id="{27C343ED-A680-A8EB-A5E3-3BACE4C1258E}"/>
                 </a:ext>
               </a:extLst>
             </p:cNvPr>
@@ -5229,7 +5213,7 @@
           </p:nvSpPr>
           <p:spPr>
             <a:xfrm>
-              <a:off x="2436919" y="1811045"/>
+              <a:off x="2436918" y="1429082"/>
               <a:ext cx="2743200" cy="45719"/>
             </a:xfrm>
             <a:prstGeom prst="rect">
@@ -5269,10 +5253,10 @@
         </p:sp>
         <p:sp>
           <p:nvSpPr>
-            <p:cNvPr id="10" name="Rectangle 9">
+            <p:cNvPr id="15" name="Rectangle 14">
               <a:extLst>
                 <a:ext uri="{FF2B5EF4-FFF2-40B4-BE49-F238E27FC236}">
-                  <a16:creationId xmlns:a16="http://schemas.microsoft.com/office/drawing/2014/main" id="{CE4CFAFC-6E17-3745-DC78-87359484C1E3}"/>
+                  <a16:creationId xmlns:a16="http://schemas.microsoft.com/office/drawing/2014/main" id="{E6E85910-7D0B-89E5-4F44-DC704C0B0189}"/>
                 </a:ext>
               </a:extLst>
             </p:cNvPr>
@@ -5281,8 +5265,8 @@
           </p:nvSpPr>
           <p:spPr>
             <a:xfrm>
-              <a:off x="2436919" y="1856764"/>
-              <a:ext cx="2743200" cy="1495888"/>
+              <a:off x="2436918" y="1471472"/>
+              <a:ext cx="2743200" cy="665825"/>
             </a:xfrm>
             <a:prstGeom prst="rect">
               <a:avLst/>
@@ -5311,34 +5295,6 @@
           <p:txBody>
             <a:bodyPr rtlCol="0" anchor="ctr"/>
             <a:lstStyle/>
-            <a:p>
-              <a:pPr marL="285750" indent="-285750">
-                <a:buFont typeface="Calibri" panose="020F0502020204030204" pitchFamily="34" charset="0"/>
-                <a:buChar char="+"/>
-              </a:pPr>
-              <a:r>
-                <a:rPr lang="en-US" dirty="0">
-                  <a:solidFill>
-                    <a:schemeClr val="tx1"/>
-                  </a:solidFill>
-                </a:rPr>
-                <a:t>Title()</a:t>
-              </a:r>
-            </a:p>
-            <a:p>
-              <a:pPr marL="285750" indent="-285750">
-                <a:buFont typeface="Calibri" panose="020F0502020204030204" pitchFamily="34" charset="0"/>
-                <a:buChar char="+"/>
-              </a:pPr>
-              <a:r>
-                <a:rPr lang="en-US" dirty="0">
-                  <a:solidFill>
-                    <a:schemeClr val="tx1"/>
-                  </a:solidFill>
-                </a:rPr>
-                <a:t>Content()</a:t>
-              </a:r>
-            </a:p>
             <a:p>
               <a:pPr marL="285750" indent="-285750">
                 <a:buFont typeface="Calibri" panose="020F0502020204030204" pitchFamily="34" charset="0"/>
@@ -5375,28 +5331,14 @@
                 <a:t>()</a:t>
               </a:r>
             </a:p>
-            <a:p>
-              <a:pPr marL="285750" indent="-285750">
-                <a:buFont typeface="Calibri" panose="020F0502020204030204" pitchFamily="34" charset="0"/>
-                <a:buChar char="+"/>
-              </a:pPr>
-              <a:r>
-                <a:rPr lang="en-US" dirty="0">
-                  <a:solidFill>
-                    <a:schemeClr val="tx1"/>
-                  </a:solidFill>
-                </a:rPr>
-                <a:t>display()</a:t>
-              </a:r>
-            </a:p>
           </p:txBody>
         </p:sp>
         <p:sp>
           <p:nvSpPr>
-            <p:cNvPr id="11" name="Rectangle 10">
+            <p:cNvPr id="16" name="Rectangle 15">
               <a:extLst>
                 <a:ext uri="{FF2B5EF4-FFF2-40B4-BE49-F238E27FC236}">
-                  <a16:creationId xmlns:a16="http://schemas.microsoft.com/office/drawing/2014/main" id="{59FFF77F-D474-F844-E75A-792BDDEAEB6F}"/>
+                  <a16:creationId xmlns:a16="http://schemas.microsoft.com/office/drawing/2014/main" id="{FFA3DE5F-FF5E-CF52-2FFD-6BB7E802E42D}"/>
                 </a:ext>
               </a:extLst>
             </p:cNvPr>
@@ -5406,7 +5348,7 @@
           <p:spPr>
             <a:xfrm>
               <a:off x="2339264" y="668044"/>
-              <a:ext cx="2938509" cy="2760955"/>
+              <a:ext cx="2938509" cy="1676993"/>
             </a:xfrm>
             <a:prstGeom prst="rect">
               <a:avLst/>
@@ -5446,10 +5388,10 @@
       </p:grpSp>
       <p:grpSp>
         <p:nvGrpSpPr>
-          <p:cNvPr id="12" name="Group 11">
-            <a:extLst>
-              <a:ext uri="{FF2B5EF4-FFF2-40B4-BE49-F238E27FC236}">
-                <a16:creationId xmlns:a16="http://schemas.microsoft.com/office/drawing/2014/main" id="{BDC3FE5A-3333-9150-FE92-54B240CB6A92}"/>
+          <p:cNvPr id="20" name="Group 19">
+            <a:extLst>
+              <a:ext uri="{FF2B5EF4-FFF2-40B4-BE49-F238E27FC236}">
+                <a16:creationId xmlns:a16="http://schemas.microsoft.com/office/drawing/2014/main" id="{2AF586D5-0485-1024-1C95-D4F2DD15BAC5}"/>
               </a:ext>
             </a:extLst>
           </p:cNvPr>
@@ -5458,18 +5400,18 @@
         </p:nvGrpSpPr>
         <p:grpSpPr>
           <a:xfrm>
-            <a:off x="1049043" y="4702058"/>
-            <a:ext cx="2938509" cy="1526960"/>
-            <a:chOff x="1160015" y="3764131"/>
-            <a:chExt cx="2938509" cy="1526960"/>
+            <a:off x="3771152" y="2911034"/>
+            <a:ext cx="635863" cy="296854"/>
+            <a:chOff x="3771152" y="2911034"/>
+            <a:chExt cx="635863" cy="296854"/>
           </a:xfrm>
         </p:grpSpPr>
         <p:sp>
           <p:nvSpPr>
-            <p:cNvPr id="13" name="Rectangle 12">
+            <p:cNvPr id="17" name="Rectangle 16">
               <a:extLst>
                 <a:ext uri="{FF2B5EF4-FFF2-40B4-BE49-F238E27FC236}">
-                  <a16:creationId xmlns:a16="http://schemas.microsoft.com/office/drawing/2014/main" id="{D5E5220F-4FD9-CC37-0117-6EB1A1D47FDB}"/>
+                  <a16:creationId xmlns:a16="http://schemas.microsoft.com/office/drawing/2014/main" id="{C1E29C0D-0B56-C7D8-3C3F-7CA0592E85AD}"/>
                 </a:ext>
               </a:extLst>
             </p:cNvPr>
@@ -5478,184 +5420,8 @@
           </p:nvSpPr>
           <p:spPr>
             <a:xfrm>
-              <a:off x="1257671" y="3877322"/>
-              <a:ext cx="2743200" cy="406154"/>
-            </a:xfrm>
-            <a:prstGeom prst="rect">
-              <a:avLst/>
-            </a:prstGeom>
-            <a:solidFill>
-              <a:schemeClr val="bg1"/>
-            </a:solidFill>
-            <a:ln>
-              <a:solidFill>
-                <a:schemeClr val="bg1"/>
-              </a:solidFill>
-            </a:ln>
-          </p:spPr>
-          <p:style>
-            <a:lnRef idx="2">
-              <a:schemeClr val="accent1">
-                <a:shade val="50000"/>
-              </a:schemeClr>
-            </a:lnRef>
-            <a:fillRef idx="1">
-              <a:schemeClr val="accent1"/>
-            </a:fillRef>
-            <a:effectRef idx="0">
-              <a:schemeClr val="accent1"/>
-            </a:effectRef>
-            <a:fontRef idx="minor">
-              <a:schemeClr val="lt1"/>
-            </a:fontRef>
-          </p:style>
-          <p:txBody>
-            <a:bodyPr rtlCol="0" anchor="ctr"/>
-            <a:lstStyle/>
-            <a:p>
-              <a:pPr algn="ctr"/>
-              <a:endParaRPr lang="en-US" dirty="0"/>
-            </a:p>
-          </p:txBody>
-        </p:sp>
-        <p:sp>
-          <p:nvSpPr>
-            <p:cNvPr id="14" name="Rectangle 13">
-              <a:extLst>
-                <a:ext uri="{FF2B5EF4-FFF2-40B4-BE49-F238E27FC236}">
-                  <a16:creationId xmlns:a16="http://schemas.microsoft.com/office/drawing/2014/main" id="{B1726D76-D071-B5D9-5F1F-4E9E31DA305B}"/>
-                </a:ext>
-              </a:extLst>
-            </p:cNvPr>
-            <p:cNvSpPr/>
-            <p:nvPr/>
-          </p:nvSpPr>
-          <p:spPr>
-            <a:xfrm>
-              <a:off x="1257671" y="3877321"/>
-              <a:ext cx="2743200" cy="363984"/>
-            </a:xfrm>
-            <a:prstGeom prst="rect">
-              <a:avLst/>
-            </a:prstGeom>
-            <a:noFill/>
-            <a:ln w="57150">
-              <a:noFill/>
-            </a:ln>
-          </p:spPr>
-          <p:style>
-            <a:lnRef idx="2">
-              <a:schemeClr val="accent1">
-                <a:shade val="50000"/>
-              </a:schemeClr>
-            </a:lnRef>
-            <a:fillRef idx="1">
-              <a:schemeClr val="accent1"/>
-            </a:fillRef>
-            <a:effectRef idx="0">
-              <a:schemeClr val="accent1"/>
-            </a:effectRef>
-            <a:fontRef idx="minor">
-              <a:schemeClr val="lt1"/>
-            </a:fontRef>
-          </p:style>
-          <p:txBody>
-            <a:bodyPr rtlCol="0" anchor="ctr"/>
-            <a:lstStyle/>
-            <a:p>
-              <a:pPr algn="ctr"/>
-              <a:r>
-                <a:rPr lang="en-US" dirty="0" err="1">
-                  <a:solidFill>
-                    <a:schemeClr val="tx1"/>
-                  </a:solidFill>
-                </a:rPr>
-                <a:t>DictDoc</a:t>
-              </a:r>
-              <a:endParaRPr lang="en-US" dirty="0">
-                <a:solidFill>
-                  <a:schemeClr val="tx1"/>
-                </a:solidFill>
-              </a:endParaRPr>
-            </a:p>
-          </p:txBody>
-        </p:sp>
-        <p:sp>
-          <p:nvSpPr>
-            <p:cNvPr id="15" name="Rectangle 14">
-              <a:extLst>
-                <a:ext uri="{FF2B5EF4-FFF2-40B4-BE49-F238E27FC236}">
-                  <a16:creationId xmlns:a16="http://schemas.microsoft.com/office/drawing/2014/main" id="{57AA2263-E49D-FBFD-300C-222FE8377918}"/>
-                </a:ext>
-              </a:extLst>
-            </p:cNvPr>
-            <p:cNvSpPr/>
-            <p:nvPr/>
-          </p:nvSpPr>
-          <p:spPr>
-            <a:xfrm>
-              <a:off x="1257672" y="4241306"/>
-              <a:ext cx="2743200" cy="477173"/>
-            </a:xfrm>
-            <a:prstGeom prst="rect">
-              <a:avLst/>
-            </a:prstGeom>
-            <a:noFill/>
-            <a:ln w="57150">
-              <a:noFill/>
-            </a:ln>
-          </p:spPr>
-          <p:style>
-            <a:lnRef idx="2">
-              <a:schemeClr val="accent1">
-                <a:shade val="50000"/>
-              </a:schemeClr>
-            </a:lnRef>
-            <a:fillRef idx="1">
-              <a:schemeClr val="accent1"/>
-            </a:fillRef>
-            <a:effectRef idx="0">
-              <a:schemeClr val="accent1"/>
-            </a:effectRef>
-            <a:fontRef idx="minor">
-              <a:schemeClr val="lt1"/>
-            </a:fontRef>
-          </p:style>
-          <p:txBody>
-            <a:bodyPr rtlCol="0" anchor="ctr"/>
-            <a:lstStyle/>
-            <a:p>
-              <a:pPr marL="285750" indent="-285750">
-                <a:buFontTx/>
-                <a:buChar char="-"/>
-              </a:pPr>
-              <a:r>
-                <a:rPr lang="en-US" dirty="0">
-                  <a:solidFill>
-                    <a:schemeClr val="tx1"/>
-                  </a:solidFill>
-                </a:rPr>
-                <a:t>response</a:t>
-              </a:r>
-            </a:p>
-          </p:txBody>
-        </p:sp>
-        <p:sp>
-          <p:nvSpPr>
-            <p:cNvPr id="16" name="Rectangle 15">
-              <a:extLst>
-                <a:ext uri="{FF2B5EF4-FFF2-40B4-BE49-F238E27FC236}">
-                  <a16:creationId xmlns:a16="http://schemas.microsoft.com/office/drawing/2014/main" id="{9D8CE36C-95DA-D968-D236-6790EEEB833E}"/>
-                </a:ext>
-              </a:extLst>
-            </p:cNvPr>
-            <p:cNvSpPr/>
-            <p:nvPr/>
-          </p:nvSpPr>
-          <p:spPr>
-            <a:xfrm>
-              <a:off x="1257670" y="4241305"/>
-              <a:ext cx="2743200" cy="45719"/>
+              <a:off x="4037848" y="3027946"/>
+              <a:ext cx="369167" cy="63030"/>
             </a:xfrm>
             <a:prstGeom prst="rect">
               <a:avLst/>
@@ -5694,10 +5460,10 @@
         </p:sp>
         <p:sp>
           <p:nvSpPr>
-            <p:cNvPr id="17" name="Rectangle 16">
+            <p:cNvPr id="18" name="Isosceles Triangle 17">
               <a:extLst>
                 <a:ext uri="{FF2B5EF4-FFF2-40B4-BE49-F238E27FC236}">
-                  <a16:creationId xmlns:a16="http://schemas.microsoft.com/office/drawing/2014/main" id="{7A2A2C05-86BA-45E5-40C6-DE3275297A0B}"/>
+                  <a16:creationId xmlns:a16="http://schemas.microsoft.com/office/drawing/2014/main" id="{0D9B3C11-B72A-C662-E1E4-234FF120DB97}"/>
                 </a:ext>
               </a:extLst>
             </p:cNvPr>
@@ -5705,828 +5471,9 @@
             <p:nvPr/>
           </p:nvSpPr>
           <p:spPr>
-            <a:xfrm>
-              <a:off x="1257670" y="4698503"/>
-              <a:ext cx="2743200" cy="45719"/>
-            </a:xfrm>
-            <a:prstGeom prst="rect">
-              <a:avLst/>
-            </a:prstGeom>
-            <a:solidFill>
-              <a:schemeClr val="tx1"/>
-            </a:solidFill>
-            <a:ln>
-              <a:noFill/>
-            </a:ln>
-          </p:spPr>
-          <p:style>
-            <a:lnRef idx="2">
-              <a:schemeClr val="accent1">
-                <a:shade val="50000"/>
-              </a:schemeClr>
-            </a:lnRef>
-            <a:fillRef idx="1">
-              <a:schemeClr val="accent1"/>
-            </a:fillRef>
-            <a:effectRef idx="0">
-              <a:schemeClr val="accent1"/>
-            </a:effectRef>
-            <a:fontRef idx="minor">
-              <a:schemeClr val="lt1"/>
-            </a:fontRef>
-          </p:style>
-          <p:txBody>
-            <a:bodyPr rtlCol="0" anchor="ctr"/>
-            <a:lstStyle/>
-            <a:p>
-              <a:pPr algn="ctr"/>
-              <a:endParaRPr lang="en-US"/>
-            </a:p>
-          </p:txBody>
-        </p:sp>
-        <p:sp>
-          <p:nvSpPr>
-            <p:cNvPr id="18" name="Rectangle 17">
-              <a:extLst>
-                <a:ext uri="{FF2B5EF4-FFF2-40B4-BE49-F238E27FC236}">
-                  <a16:creationId xmlns:a16="http://schemas.microsoft.com/office/drawing/2014/main" id="{E0D26292-6718-4BB5-7207-806C3D8B1BCC}"/>
-                </a:ext>
-              </a:extLst>
-            </p:cNvPr>
-            <p:cNvSpPr/>
-            <p:nvPr/>
-          </p:nvSpPr>
-          <p:spPr>
-            <a:xfrm>
-              <a:off x="1257670" y="4764199"/>
-              <a:ext cx="2743200" cy="431456"/>
-            </a:xfrm>
-            <a:prstGeom prst="rect">
-              <a:avLst/>
-            </a:prstGeom>
-            <a:noFill/>
-            <a:ln w="57150">
-              <a:noFill/>
-            </a:ln>
-          </p:spPr>
-          <p:style>
-            <a:lnRef idx="2">
-              <a:schemeClr val="accent1">
-                <a:shade val="50000"/>
-              </a:schemeClr>
-            </a:lnRef>
-            <a:fillRef idx="1">
-              <a:schemeClr val="accent1"/>
-            </a:fillRef>
-            <a:effectRef idx="0">
-              <a:schemeClr val="accent1"/>
-            </a:effectRef>
-            <a:fontRef idx="minor">
-              <a:schemeClr val="lt1"/>
-            </a:fontRef>
-          </p:style>
-          <p:txBody>
-            <a:bodyPr rtlCol="0" anchor="ctr"/>
-            <a:lstStyle/>
-            <a:p>
-              <a:pPr marL="285750" indent="-285750">
-                <a:buFont typeface="Calibri" panose="020F0502020204030204" pitchFamily="34" charset="0"/>
-                <a:buChar char="+"/>
-              </a:pPr>
-              <a:r>
-                <a:rPr lang="en-US" dirty="0">
-                  <a:solidFill>
-                    <a:schemeClr val="tx1"/>
-                  </a:solidFill>
-                </a:rPr>
-                <a:t>Response()</a:t>
-              </a:r>
-            </a:p>
-          </p:txBody>
-        </p:sp>
-        <p:sp>
-          <p:nvSpPr>
-            <p:cNvPr id="19" name="Rectangle 18">
-              <a:extLst>
-                <a:ext uri="{FF2B5EF4-FFF2-40B4-BE49-F238E27FC236}">
-                  <a16:creationId xmlns:a16="http://schemas.microsoft.com/office/drawing/2014/main" id="{971F6D83-7DEF-47D0-B52D-B6C2450D3439}"/>
-                </a:ext>
-              </a:extLst>
-            </p:cNvPr>
-            <p:cNvSpPr/>
-            <p:nvPr/>
-          </p:nvSpPr>
-          <p:spPr>
-            <a:xfrm>
-              <a:off x="1160015" y="3764131"/>
-              <a:ext cx="2938509" cy="1526960"/>
-            </a:xfrm>
-            <a:prstGeom prst="rect">
-              <a:avLst/>
-            </a:prstGeom>
-            <a:noFill/>
-            <a:ln w="57150">
-              <a:solidFill>
-                <a:schemeClr val="tx1"/>
-              </a:solidFill>
-            </a:ln>
-          </p:spPr>
-          <p:style>
-            <a:lnRef idx="2">
-              <a:schemeClr val="accent1">
-                <a:shade val="50000"/>
-              </a:schemeClr>
-            </a:lnRef>
-            <a:fillRef idx="1">
-              <a:schemeClr val="accent1"/>
-            </a:fillRef>
-            <a:effectRef idx="0">
-              <a:schemeClr val="accent1"/>
-            </a:effectRef>
-            <a:fontRef idx="minor">
-              <a:schemeClr val="lt1"/>
-            </a:fontRef>
-          </p:style>
-          <p:txBody>
-            <a:bodyPr rtlCol="0" anchor="ctr"/>
-            <a:lstStyle/>
-            <a:p>
-              <a:pPr algn="ctr"/>
-              <a:endParaRPr lang="en-US"/>
-            </a:p>
-          </p:txBody>
-        </p:sp>
-      </p:grpSp>
-      <p:grpSp>
-        <p:nvGrpSpPr>
-          <p:cNvPr id="20" name="Group 19">
-            <a:extLst>
-              <a:ext uri="{FF2B5EF4-FFF2-40B4-BE49-F238E27FC236}">
-                <a16:creationId xmlns:a16="http://schemas.microsoft.com/office/drawing/2014/main" id="{C6B9350B-7AFD-954B-1105-B05A0D725714}"/>
-              </a:ext>
-            </a:extLst>
-          </p:cNvPr>
-          <p:cNvGrpSpPr/>
-          <p:nvPr/>
-        </p:nvGrpSpPr>
-        <p:grpSpPr>
-          <a:xfrm>
-            <a:off x="5949517" y="4702058"/>
-            <a:ext cx="2938509" cy="1526960"/>
-            <a:chOff x="5328080" y="3764131"/>
-            <a:chExt cx="2938509" cy="1526960"/>
-          </a:xfrm>
-        </p:grpSpPr>
-        <p:sp>
-          <p:nvSpPr>
-            <p:cNvPr id="21" name="Rectangle 20">
-              <a:extLst>
-                <a:ext uri="{FF2B5EF4-FFF2-40B4-BE49-F238E27FC236}">
-                  <a16:creationId xmlns:a16="http://schemas.microsoft.com/office/drawing/2014/main" id="{98D63F32-B4A1-8FA1-EF71-8CEEE424C230}"/>
-                </a:ext>
-              </a:extLst>
-            </p:cNvPr>
-            <p:cNvSpPr/>
-            <p:nvPr/>
-          </p:nvSpPr>
-          <p:spPr>
-            <a:xfrm>
-              <a:off x="5425736" y="3877322"/>
-              <a:ext cx="2743200" cy="406154"/>
-            </a:xfrm>
-            <a:prstGeom prst="rect">
-              <a:avLst/>
-            </a:prstGeom>
-            <a:solidFill>
-              <a:schemeClr val="bg1"/>
-            </a:solidFill>
-            <a:ln>
-              <a:solidFill>
-                <a:schemeClr val="bg1"/>
-              </a:solidFill>
-            </a:ln>
-          </p:spPr>
-          <p:style>
-            <a:lnRef idx="2">
-              <a:schemeClr val="accent1">
-                <a:shade val="50000"/>
-              </a:schemeClr>
-            </a:lnRef>
-            <a:fillRef idx="1">
-              <a:schemeClr val="accent1"/>
-            </a:fillRef>
-            <a:effectRef idx="0">
-              <a:schemeClr val="accent1"/>
-            </a:effectRef>
-            <a:fontRef idx="minor">
-              <a:schemeClr val="lt1"/>
-            </a:fontRef>
-          </p:style>
-          <p:txBody>
-            <a:bodyPr rtlCol="0" anchor="ctr"/>
-            <a:lstStyle/>
-            <a:p>
-              <a:pPr algn="ctr"/>
-              <a:endParaRPr lang="en-US" dirty="0"/>
-            </a:p>
-          </p:txBody>
-        </p:sp>
-        <p:sp>
-          <p:nvSpPr>
-            <p:cNvPr id="22" name="Rectangle 21">
-              <a:extLst>
-                <a:ext uri="{FF2B5EF4-FFF2-40B4-BE49-F238E27FC236}">
-                  <a16:creationId xmlns:a16="http://schemas.microsoft.com/office/drawing/2014/main" id="{C3435D36-D253-D7A0-F055-72526F662878}"/>
-                </a:ext>
-              </a:extLst>
-            </p:cNvPr>
-            <p:cNvSpPr/>
-            <p:nvPr/>
-          </p:nvSpPr>
-          <p:spPr>
-            <a:xfrm>
-              <a:off x="5425736" y="3877321"/>
-              <a:ext cx="2743200" cy="363984"/>
-            </a:xfrm>
-            <a:prstGeom prst="rect">
-              <a:avLst/>
-            </a:prstGeom>
-            <a:noFill/>
-            <a:ln w="57150">
-              <a:noFill/>
-            </a:ln>
-          </p:spPr>
-          <p:style>
-            <a:lnRef idx="2">
-              <a:schemeClr val="accent1">
-                <a:shade val="50000"/>
-              </a:schemeClr>
-            </a:lnRef>
-            <a:fillRef idx="1">
-              <a:schemeClr val="accent1"/>
-            </a:fillRef>
-            <a:effectRef idx="0">
-              <a:schemeClr val="accent1"/>
-            </a:effectRef>
-            <a:fontRef idx="minor">
-              <a:schemeClr val="lt1"/>
-            </a:fontRef>
-          </p:style>
-          <p:txBody>
-            <a:bodyPr rtlCol="0" anchor="ctr"/>
-            <a:lstStyle/>
-            <a:p>
-              <a:pPr algn="ctr"/>
-              <a:r>
-                <a:rPr lang="en-US" dirty="0" err="1">
-                  <a:solidFill>
-                    <a:schemeClr val="tx1"/>
-                  </a:solidFill>
-                </a:rPr>
-                <a:t>LearnDoc</a:t>
-              </a:r>
-              <a:endParaRPr lang="en-US" dirty="0">
-                <a:solidFill>
-                  <a:schemeClr val="tx1"/>
-                </a:solidFill>
-              </a:endParaRPr>
-            </a:p>
-          </p:txBody>
-        </p:sp>
-        <p:sp>
-          <p:nvSpPr>
-            <p:cNvPr id="23" name="Rectangle 22">
-              <a:extLst>
-                <a:ext uri="{FF2B5EF4-FFF2-40B4-BE49-F238E27FC236}">
-                  <a16:creationId xmlns:a16="http://schemas.microsoft.com/office/drawing/2014/main" id="{8FC827C9-2279-57CC-BE4D-49D6AB60A989}"/>
-                </a:ext>
-              </a:extLst>
-            </p:cNvPr>
-            <p:cNvSpPr/>
-            <p:nvPr/>
-          </p:nvSpPr>
-          <p:spPr>
-            <a:xfrm>
-              <a:off x="5425737" y="4241306"/>
-              <a:ext cx="2743200" cy="477173"/>
-            </a:xfrm>
-            <a:prstGeom prst="rect">
-              <a:avLst/>
-            </a:prstGeom>
-            <a:noFill/>
-            <a:ln w="57150">
-              <a:noFill/>
-            </a:ln>
-          </p:spPr>
-          <p:style>
-            <a:lnRef idx="2">
-              <a:schemeClr val="accent1">
-                <a:shade val="50000"/>
-              </a:schemeClr>
-            </a:lnRef>
-            <a:fillRef idx="1">
-              <a:schemeClr val="accent1"/>
-            </a:fillRef>
-            <a:effectRef idx="0">
-              <a:schemeClr val="accent1"/>
-            </a:effectRef>
-            <a:fontRef idx="minor">
-              <a:schemeClr val="lt1"/>
-            </a:fontRef>
-          </p:style>
-          <p:txBody>
-            <a:bodyPr rtlCol="0" anchor="ctr"/>
-            <a:lstStyle/>
-            <a:p>
-              <a:pPr marL="285750" indent="-285750">
-                <a:buFontTx/>
-                <a:buChar char="-"/>
-              </a:pPr>
-              <a:r>
-                <a:rPr lang="en-US" dirty="0" err="1">
-                  <a:solidFill>
-                    <a:schemeClr val="tx1"/>
-                  </a:solidFill>
-                </a:rPr>
-                <a:t>linkVideo</a:t>
-              </a:r>
-              <a:endParaRPr lang="en-US" dirty="0">
-                <a:solidFill>
-                  <a:schemeClr val="tx1"/>
-                </a:solidFill>
-              </a:endParaRPr>
-            </a:p>
-          </p:txBody>
-        </p:sp>
-        <p:sp>
-          <p:nvSpPr>
-            <p:cNvPr id="24" name="Rectangle 23">
-              <a:extLst>
-                <a:ext uri="{FF2B5EF4-FFF2-40B4-BE49-F238E27FC236}">
-                  <a16:creationId xmlns:a16="http://schemas.microsoft.com/office/drawing/2014/main" id="{566F063F-D10B-EB19-A842-1C1BFBE90C63}"/>
-                </a:ext>
-              </a:extLst>
-            </p:cNvPr>
-            <p:cNvSpPr/>
-            <p:nvPr/>
-          </p:nvSpPr>
-          <p:spPr>
-            <a:xfrm>
-              <a:off x="5425735" y="4241305"/>
-              <a:ext cx="2743200" cy="45719"/>
-            </a:xfrm>
-            <a:prstGeom prst="rect">
-              <a:avLst/>
-            </a:prstGeom>
-            <a:solidFill>
-              <a:schemeClr val="tx1"/>
-            </a:solidFill>
-            <a:ln>
-              <a:noFill/>
-            </a:ln>
-          </p:spPr>
-          <p:style>
-            <a:lnRef idx="2">
-              <a:schemeClr val="accent1">
-                <a:shade val="50000"/>
-              </a:schemeClr>
-            </a:lnRef>
-            <a:fillRef idx="1">
-              <a:schemeClr val="accent1"/>
-            </a:fillRef>
-            <a:effectRef idx="0">
-              <a:schemeClr val="accent1"/>
-            </a:effectRef>
-            <a:fontRef idx="minor">
-              <a:schemeClr val="lt1"/>
-            </a:fontRef>
-          </p:style>
-          <p:txBody>
-            <a:bodyPr rtlCol="0" anchor="ctr"/>
-            <a:lstStyle/>
-            <a:p>
-              <a:pPr algn="ctr"/>
-              <a:endParaRPr lang="en-US"/>
-            </a:p>
-          </p:txBody>
-        </p:sp>
-        <p:sp>
-          <p:nvSpPr>
-            <p:cNvPr id="25" name="Rectangle 24">
-              <a:extLst>
-                <a:ext uri="{FF2B5EF4-FFF2-40B4-BE49-F238E27FC236}">
-                  <a16:creationId xmlns:a16="http://schemas.microsoft.com/office/drawing/2014/main" id="{D6D5033F-6C9D-C20B-5487-9AA55534FB36}"/>
-                </a:ext>
-              </a:extLst>
-            </p:cNvPr>
-            <p:cNvSpPr/>
-            <p:nvPr/>
-          </p:nvSpPr>
-          <p:spPr>
-            <a:xfrm>
-              <a:off x="5425735" y="4698503"/>
-              <a:ext cx="2743200" cy="45719"/>
-            </a:xfrm>
-            <a:prstGeom prst="rect">
-              <a:avLst/>
-            </a:prstGeom>
-            <a:solidFill>
-              <a:schemeClr val="tx1"/>
-            </a:solidFill>
-            <a:ln>
-              <a:noFill/>
-            </a:ln>
-          </p:spPr>
-          <p:style>
-            <a:lnRef idx="2">
-              <a:schemeClr val="accent1">
-                <a:shade val="50000"/>
-              </a:schemeClr>
-            </a:lnRef>
-            <a:fillRef idx="1">
-              <a:schemeClr val="accent1"/>
-            </a:fillRef>
-            <a:effectRef idx="0">
-              <a:schemeClr val="accent1"/>
-            </a:effectRef>
-            <a:fontRef idx="minor">
-              <a:schemeClr val="lt1"/>
-            </a:fontRef>
-          </p:style>
-          <p:txBody>
-            <a:bodyPr rtlCol="0" anchor="ctr"/>
-            <a:lstStyle/>
-            <a:p>
-              <a:pPr algn="ctr"/>
-              <a:endParaRPr lang="en-US"/>
-            </a:p>
-          </p:txBody>
-        </p:sp>
-        <p:sp>
-          <p:nvSpPr>
-            <p:cNvPr id="26" name="Rectangle 25">
-              <a:extLst>
-                <a:ext uri="{FF2B5EF4-FFF2-40B4-BE49-F238E27FC236}">
-                  <a16:creationId xmlns:a16="http://schemas.microsoft.com/office/drawing/2014/main" id="{5313125E-07F1-4616-BA39-F1766CF1AF3F}"/>
-                </a:ext>
-              </a:extLst>
-            </p:cNvPr>
-            <p:cNvSpPr/>
-            <p:nvPr/>
-          </p:nvSpPr>
-          <p:spPr>
-            <a:xfrm>
-              <a:off x="5425735" y="4764199"/>
-              <a:ext cx="2743200" cy="431456"/>
-            </a:xfrm>
-            <a:prstGeom prst="rect">
-              <a:avLst/>
-            </a:prstGeom>
-            <a:noFill/>
-            <a:ln w="57150">
-              <a:noFill/>
-            </a:ln>
-          </p:spPr>
-          <p:style>
-            <a:lnRef idx="2">
-              <a:schemeClr val="accent1">
-                <a:shade val="50000"/>
-              </a:schemeClr>
-            </a:lnRef>
-            <a:fillRef idx="1">
-              <a:schemeClr val="accent1"/>
-            </a:fillRef>
-            <a:effectRef idx="0">
-              <a:schemeClr val="accent1"/>
-            </a:effectRef>
-            <a:fontRef idx="minor">
-              <a:schemeClr val="lt1"/>
-            </a:fontRef>
-          </p:style>
-          <p:txBody>
-            <a:bodyPr rtlCol="0" anchor="ctr"/>
-            <a:lstStyle/>
-            <a:p>
-              <a:pPr marL="285750" indent="-285750">
-                <a:buFont typeface="Calibri" panose="020F0502020204030204" pitchFamily="34" charset="0"/>
-                <a:buChar char="+"/>
-              </a:pPr>
-              <a:r>
-                <a:rPr lang="en-US" dirty="0" err="1">
-                  <a:solidFill>
-                    <a:schemeClr val="tx1"/>
-                  </a:solidFill>
-                </a:rPr>
-                <a:t>LinkVideo</a:t>
-              </a:r>
-              <a:r>
-                <a:rPr lang="en-US" dirty="0">
-                  <a:solidFill>
-                    <a:schemeClr val="tx1"/>
-                  </a:solidFill>
-                </a:rPr>
-                <a:t>()</a:t>
-              </a:r>
-            </a:p>
-          </p:txBody>
-        </p:sp>
-        <p:sp>
-          <p:nvSpPr>
-            <p:cNvPr id="27" name="Rectangle 26">
-              <a:extLst>
-                <a:ext uri="{FF2B5EF4-FFF2-40B4-BE49-F238E27FC236}">
-                  <a16:creationId xmlns:a16="http://schemas.microsoft.com/office/drawing/2014/main" id="{CC88FEB2-11E2-86E5-99FE-8695CFD0E083}"/>
-                </a:ext>
-              </a:extLst>
-            </p:cNvPr>
-            <p:cNvSpPr/>
-            <p:nvPr/>
-          </p:nvSpPr>
-          <p:spPr>
-            <a:xfrm>
-              <a:off x="5328080" y="3764131"/>
-              <a:ext cx="2938509" cy="1526960"/>
-            </a:xfrm>
-            <a:prstGeom prst="rect">
-              <a:avLst/>
-            </a:prstGeom>
-            <a:noFill/>
-            <a:ln w="57150">
-              <a:solidFill>
-                <a:schemeClr val="tx1"/>
-              </a:solidFill>
-            </a:ln>
-          </p:spPr>
-          <p:style>
-            <a:lnRef idx="2">
-              <a:schemeClr val="accent1">
-                <a:shade val="50000"/>
-              </a:schemeClr>
-            </a:lnRef>
-            <a:fillRef idx="1">
-              <a:schemeClr val="accent1"/>
-            </a:fillRef>
-            <a:effectRef idx="0">
-              <a:schemeClr val="accent1"/>
-            </a:effectRef>
-            <a:fontRef idx="minor">
-              <a:schemeClr val="lt1"/>
-            </a:fontRef>
-          </p:style>
-          <p:txBody>
-            <a:bodyPr rtlCol="0" anchor="ctr"/>
-            <a:lstStyle/>
-            <a:p>
-              <a:pPr algn="ctr"/>
-              <a:endParaRPr lang="en-US"/>
-            </a:p>
-          </p:txBody>
-        </p:sp>
-      </p:grpSp>
-      <p:grpSp>
-        <p:nvGrpSpPr>
-          <p:cNvPr id="34" name="Group 33">
-            <a:extLst>
-              <a:ext uri="{FF2B5EF4-FFF2-40B4-BE49-F238E27FC236}">
-                <a16:creationId xmlns:a16="http://schemas.microsoft.com/office/drawing/2014/main" id="{5CAD5AB7-21DE-134C-D5DF-58286140CB83}"/>
-              </a:ext>
-            </a:extLst>
-          </p:cNvPr>
-          <p:cNvGrpSpPr/>
-          <p:nvPr/>
-        </p:nvGrpSpPr>
-        <p:grpSpPr>
-          <a:xfrm>
-            <a:off x="2539361" y="3256529"/>
-            <a:ext cx="4817227" cy="1419786"/>
-            <a:chOff x="2539361" y="3256529"/>
-            <a:chExt cx="4817227" cy="1419786"/>
-          </a:xfrm>
-        </p:grpSpPr>
-        <p:sp>
-          <p:nvSpPr>
-            <p:cNvPr id="29" name="Rectangle 28">
-              <a:extLst>
-                <a:ext uri="{FF2B5EF4-FFF2-40B4-BE49-F238E27FC236}">
-                  <a16:creationId xmlns:a16="http://schemas.microsoft.com/office/drawing/2014/main" id="{C9AAFBDA-9679-1E58-1732-B0B55B7C318D}"/>
-                </a:ext>
-              </a:extLst>
-            </p:cNvPr>
-            <p:cNvSpPr/>
-            <p:nvPr/>
-          </p:nvSpPr>
-          <p:spPr>
-            <a:xfrm rot="5400000">
-              <a:off x="6975887" y="4295615"/>
-              <a:ext cx="698371" cy="63030"/>
-            </a:xfrm>
-            <a:prstGeom prst="rect">
-              <a:avLst/>
-            </a:prstGeom>
-            <a:solidFill>
-              <a:schemeClr val="tx1"/>
-            </a:solidFill>
-            <a:ln>
-              <a:noFill/>
-            </a:ln>
-          </p:spPr>
-          <p:style>
-            <a:lnRef idx="2">
-              <a:schemeClr val="accent1">
-                <a:shade val="50000"/>
-              </a:schemeClr>
-            </a:lnRef>
-            <a:fillRef idx="1">
-              <a:schemeClr val="accent1"/>
-            </a:fillRef>
-            <a:effectRef idx="0">
-              <a:schemeClr val="accent1"/>
-            </a:effectRef>
-            <a:fontRef idx="minor">
-              <a:schemeClr val="lt1"/>
-            </a:fontRef>
-          </p:style>
-          <p:txBody>
-            <a:bodyPr rtlCol="0" anchor="ctr"/>
-            <a:lstStyle/>
-            <a:p>
-              <a:pPr algn="ctr"/>
-              <a:endParaRPr lang="en-US"/>
-            </a:p>
-          </p:txBody>
-        </p:sp>
-        <p:sp>
-          <p:nvSpPr>
-            <p:cNvPr id="30" name="Rectangle 29">
-              <a:extLst>
-                <a:ext uri="{FF2B5EF4-FFF2-40B4-BE49-F238E27FC236}">
-                  <a16:creationId xmlns:a16="http://schemas.microsoft.com/office/drawing/2014/main" id="{8C282F2B-7DC5-92FF-E827-8000574D9087}"/>
-                </a:ext>
-              </a:extLst>
-            </p:cNvPr>
-            <p:cNvSpPr/>
-            <p:nvPr/>
-          </p:nvSpPr>
-          <p:spPr>
-            <a:xfrm rot="5400000">
-              <a:off x="2221691" y="4295615"/>
-              <a:ext cx="698371" cy="63030"/>
-            </a:xfrm>
-            <a:prstGeom prst="rect">
-              <a:avLst/>
-            </a:prstGeom>
-            <a:solidFill>
-              <a:schemeClr val="tx1"/>
-            </a:solidFill>
-            <a:ln>
-              <a:noFill/>
-            </a:ln>
-          </p:spPr>
-          <p:style>
-            <a:lnRef idx="2">
-              <a:schemeClr val="accent1">
-                <a:shade val="50000"/>
-              </a:schemeClr>
-            </a:lnRef>
-            <a:fillRef idx="1">
-              <a:schemeClr val="accent1"/>
-            </a:fillRef>
-            <a:effectRef idx="0">
-              <a:schemeClr val="accent1"/>
-            </a:effectRef>
-            <a:fontRef idx="minor">
-              <a:schemeClr val="lt1"/>
-            </a:fontRef>
-          </p:style>
-          <p:txBody>
-            <a:bodyPr rtlCol="0" anchor="ctr"/>
-            <a:lstStyle/>
-            <a:p>
-              <a:pPr algn="ctr"/>
-              <a:endParaRPr lang="en-US"/>
-            </a:p>
-          </p:txBody>
-        </p:sp>
-        <p:sp>
-          <p:nvSpPr>
-            <p:cNvPr id="31" name="Rectangle 30">
-              <a:extLst>
-                <a:ext uri="{FF2B5EF4-FFF2-40B4-BE49-F238E27FC236}">
-                  <a16:creationId xmlns:a16="http://schemas.microsoft.com/office/drawing/2014/main" id="{0042068A-AA03-77AA-7A92-5701483AC805}"/>
-                </a:ext>
-              </a:extLst>
-            </p:cNvPr>
-            <p:cNvSpPr/>
-            <p:nvPr/>
-          </p:nvSpPr>
-          <p:spPr>
-            <a:xfrm rot="5400000">
-              <a:off x="4887758" y="1637094"/>
-              <a:ext cx="57401" cy="4754196"/>
-            </a:xfrm>
-            <a:prstGeom prst="rect">
-              <a:avLst/>
-            </a:prstGeom>
-            <a:solidFill>
-              <a:schemeClr val="tx1"/>
-            </a:solidFill>
-            <a:ln>
-              <a:noFill/>
-            </a:ln>
-          </p:spPr>
-          <p:style>
-            <a:lnRef idx="2">
-              <a:schemeClr val="accent1">
-                <a:shade val="50000"/>
-              </a:schemeClr>
-            </a:lnRef>
-            <a:fillRef idx="1">
-              <a:schemeClr val="accent1"/>
-            </a:fillRef>
-            <a:effectRef idx="0">
-              <a:schemeClr val="accent1"/>
-            </a:effectRef>
-            <a:fontRef idx="minor">
-              <a:schemeClr val="lt1"/>
-            </a:fontRef>
-          </p:style>
-          <p:txBody>
-            <a:bodyPr rtlCol="0" anchor="ctr"/>
-            <a:lstStyle/>
-            <a:p>
-              <a:pPr algn="ctr"/>
-              <a:endParaRPr lang="en-US"/>
-            </a:p>
-          </p:txBody>
-        </p:sp>
-        <p:sp>
-          <p:nvSpPr>
-            <p:cNvPr id="32" name="Rectangle 31">
-              <a:extLst>
-                <a:ext uri="{FF2B5EF4-FFF2-40B4-BE49-F238E27FC236}">
-                  <a16:creationId xmlns:a16="http://schemas.microsoft.com/office/drawing/2014/main" id="{C6CBF073-3E5E-E9E5-E4B2-C6AB13977057}"/>
-                </a:ext>
-              </a:extLst>
-            </p:cNvPr>
-            <p:cNvSpPr/>
-            <p:nvPr/>
-          </p:nvSpPr>
-          <p:spPr>
-            <a:xfrm rot="5400000">
-              <a:off x="4786030" y="3712351"/>
-              <a:ext cx="483249" cy="63031"/>
-            </a:xfrm>
-            <a:prstGeom prst="rect">
-              <a:avLst/>
-            </a:prstGeom>
-            <a:solidFill>
-              <a:schemeClr val="tx1"/>
-            </a:solidFill>
-            <a:ln>
-              <a:noFill/>
-            </a:ln>
-          </p:spPr>
-          <p:style>
-            <a:lnRef idx="2">
-              <a:schemeClr val="accent1">
-                <a:shade val="50000"/>
-              </a:schemeClr>
-            </a:lnRef>
-            <a:fillRef idx="1">
-              <a:schemeClr val="accent1"/>
-            </a:fillRef>
-            <a:effectRef idx="0">
-              <a:schemeClr val="accent1"/>
-            </a:effectRef>
-            <a:fontRef idx="minor">
-              <a:schemeClr val="lt1"/>
-            </a:fontRef>
-          </p:style>
-          <p:txBody>
-            <a:bodyPr rtlCol="0" anchor="ctr"/>
-            <a:lstStyle/>
-            <a:p>
-              <a:pPr algn="ctr"/>
-              <a:endParaRPr lang="en-US"/>
-            </a:p>
-          </p:txBody>
-        </p:sp>
-        <p:sp>
-          <p:nvSpPr>
-            <p:cNvPr id="33" name="Isosceles Triangle 32">
-              <a:extLst>
-                <a:ext uri="{FF2B5EF4-FFF2-40B4-BE49-F238E27FC236}">
-                  <a16:creationId xmlns:a16="http://schemas.microsoft.com/office/drawing/2014/main" id="{8004CFED-47EE-C410-9396-7EC8B0061ECA}"/>
-                </a:ext>
-              </a:extLst>
-            </p:cNvPr>
-            <p:cNvSpPr/>
-            <p:nvPr/>
-          </p:nvSpPr>
-          <p:spPr>
-            <a:xfrm>
-              <a:off x="4893331" y="3256529"/>
-              <a:ext cx="268646" cy="245713"/>
+            <a:xfrm rot="16200000">
+              <a:off x="3758482" y="2923704"/>
+              <a:ext cx="296854" cy="271513"/>
             </a:xfrm>
             <a:prstGeom prst="triangle">
               <a:avLst/>
@@ -6567,7 +5514,7 @@
     </p:spTree>
     <p:extLst>
       <p:ext uri="{BB962C8B-B14F-4D97-AF65-F5344CB8AC3E}">
-        <p14:creationId xmlns:p14="http://schemas.microsoft.com/office/powerpoint/2010/main" val="3587958827"/>
+        <p14:creationId xmlns:p14="http://schemas.microsoft.com/office/powerpoint/2010/main" val="585272853"/>
       </p:ext>
     </p:extLst>
   </p:cSld>
